--- a/Electron/ppt/Electron.pptx
+++ b/Electron/ppt/Electron.pptx
@@ -5,13 +5,15 @@
     <p:sldMasterId id="2147483661" r:id="rId1"/>
   </p:sldMasterIdLst>
   <p:notesMasterIdLst>
-    <p:notesMasterId r:id="rId6"/>
+    <p:notesMasterId r:id="rId8"/>
   </p:notesMasterIdLst>
   <p:sldIdLst>
     <p:sldId id="281" r:id="rId2"/>
     <p:sldId id="297" r:id="rId3"/>
     <p:sldId id="302" r:id="rId4"/>
     <p:sldId id="301" r:id="rId5"/>
+    <p:sldId id="303" r:id="rId6"/>
+    <p:sldId id="304" r:id="rId7"/>
   </p:sldIdLst>
   <p:sldSz cx="9144000" cy="6858000" type="screen4x3"/>
   <p:notesSz cx="6858000" cy="9144000"/>
@@ -196,7 +198,7 @@
             <a:fld id="{F0A9F06B-E0B0-4FC8-9FEF-CCD36F0C5B97}" type="datetimeFigureOut">
               <a:rPr lang="en-US" smtClean="0"/>
               <a:pPr/>
-              <a:t>12/13/2021</a:t>
+              <a:t>12/14/2021</a:t>
             </a:fld>
             <a:endParaRPr lang="en-US"/>
           </a:p>
@@ -822,6 +824,176 @@
 </p:notes>
 </file>
 
+<file path=ppt/notesSlides/notesSlide5.xml><?xml version="1.0" encoding="utf-8"?>
+<p:notes xmlns:a="http://schemas.openxmlformats.org/drawingml/2006/main" xmlns:r="http://schemas.openxmlformats.org/officeDocument/2006/relationships" xmlns:p="http://schemas.openxmlformats.org/presentationml/2006/main">
+  <p:cSld>
+    <p:spTree>
+      <p:nvGrpSpPr>
+        <p:cNvPr id="1" name=""/>
+        <p:cNvGrpSpPr/>
+        <p:nvPr/>
+      </p:nvGrpSpPr>
+      <p:grpSpPr>
+        <a:xfrm>
+          <a:off x="0" y="0"/>
+          <a:ext cx="0" cy="0"/>
+          <a:chOff x="0" y="0"/>
+          <a:chExt cx="0" cy="0"/>
+        </a:xfrm>
+      </p:grpSpPr>
+      <p:sp>
+        <p:nvSpPr>
+          <p:cNvPr id="2" name="슬라이드 이미지 개체 틀 1"/>
+          <p:cNvSpPr>
+            <a:spLocks noGrp="1" noRot="1" noChangeAspect="1"/>
+          </p:cNvSpPr>
+          <p:nvPr>
+            <p:ph type="sldImg"/>
+          </p:nvPr>
+        </p:nvSpPr>
+        <p:spPr/>
+      </p:sp>
+      <p:sp>
+        <p:nvSpPr>
+          <p:cNvPr id="3" name="슬라이드 노트 개체 틀 2"/>
+          <p:cNvSpPr>
+            <a:spLocks noGrp="1"/>
+          </p:cNvSpPr>
+          <p:nvPr>
+            <p:ph type="body" idx="1"/>
+          </p:nvPr>
+        </p:nvSpPr>
+        <p:spPr/>
+        <p:txBody>
+          <a:bodyPr/>
+          <a:lstStyle/>
+          <a:p>
+            <a:endParaRPr lang="ko-KR" altLang="en-US"/>
+          </a:p>
+        </p:txBody>
+      </p:sp>
+      <p:sp>
+        <p:nvSpPr>
+          <p:cNvPr id="4" name="슬라이드 번호 개체 틀 3"/>
+          <p:cNvSpPr>
+            <a:spLocks noGrp="1"/>
+          </p:cNvSpPr>
+          <p:nvPr>
+            <p:ph type="sldNum" sz="quarter" idx="10"/>
+          </p:nvPr>
+        </p:nvSpPr>
+        <p:spPr/>
+        <p:txBody>
+          <a:bodyPr/>
+          <a:lstStyle/>
+          <a:p>
+            <a:fld id="{0221126E-58A0-4460-9E8C-B9D1B93584D7}" type="slidenum">
+              <a:rPr lang="en-US" smtClean="0"/>
+              <a:pPr/>
+              <a:t>5</a:t>
+            </a:fld>
+            <a:endParaRPr lang="en-US"/>
+          </a:p>
+        </p:txBody>
+      </p:sp>
+    </p:spTree>
+    <p:extLst>
+      <p:ext uri="{BB962C8B-B14F-4D97-AF65-F5344CB8AC3E}">
+        <p14:creationId xmlns:p14="http://schemas.microsoft.com/office/powerpoint/2010/main" val="4186713760"/>
+      </p:ext>
+    </p:extLst>
+  </p:cSld>
+  <p:clrMapOvr>
+    <a:masterClrMapping/>
+  </p:clrMapOvr>
+</p:notes>
+</file>
+
+<file path=ppt/notesSlides/notesSlide6.xml><?xml version="1.0" encoding="utf-8"?>
+<p:notes xmlns:a="http://schemas.openxmlformats.org/drawingml/2006/main" xmlns:r="http://schemas.openxmlformats.org/officeDocument/2006/relationships" xmlns:p="http://schemas.openxmlformats.org/presentationml/2006/main">
+  <p:cSld>
+    <p:spTree>
+      <p:nvGrpSpPr>
+        <p:cNvPr id="1" name=""/>
+        <p:cNvGrpSpPr/>
+        <p:nvPr/>
+      </p:nvGrpSpPr>
+      <p:grpSpPr>
+        <a:xfrm>
+          <a:off x="0" y="0"/>
+          <a:ext cx="0" cy="0"/>
+          <a:chOff x="0" y="0"/>
+          <a:chExt cx="0" cy="0"/>
+        </a:xfrm>
+      </p:grpSpPr>
+      <p:sp>
+        <p:nvSpPr>
+          <p:cNvPr id="2" name="슬라이드 이미지 개체 틀 1"/>
+          <p:cNvSpPr>
+            <a:spLocks noGrp="1" noRot="1" noChangeAspect="1"/>
+          </p:cNvSpPr>
+          <p:nvPr>
+            <p:ph type="sldImg"/>
+          </p:nvPr>
+        </p:nvSpPr>
+        <p:spPr/>
+      </p:sp>
+      <p:sp>
+        <p:nvSpPr>
+          <p:cNvPr id="3" name="슬라이드 노트 개체 틀 2"/>
+          <p:cNvSpPr>
+            <a:spLocks noGrp="1"/>
+          </p:cNvSpPr>
+          <p:nvPr>
+            <p:ph type="body" idx="1"/>
+          </p:nvPr>
+        </p:nvSpPr>
+        <p:spPr/>
+        <p:txBody>
+          <a:bodyPr/>
+          <a:lstStyle/>
+          <a:p>
+            <a:endParaRPr lang="ko-KR" altLang="en-US"/>
+          </a:p>
+        </p:txBody>
+      </p:sp>
+      <p:sp>
+        <p:nvSpPr>
+          <p:cNvPr id="4" name="슬라이드 번호 개체 틀 3"/>
+          <p:cNvSpPr>
+            <a:spLocks noGrp="1"/>
+          </p:cNvSpPr>
+          <p:nvPr>
+            <p:ph type="sldNum" sz="quarter" idx="10"/>
+          </p:nvPr>
+        </p:nvSpPr>
+        <p:spPr/>
+        <p:txBody>
+          <a:bodyPr/>
+          <a:lstStyle/>
+          <a:p>
+            <a:fld id="{0221126E-58A0-4460-9E8C-B9D1B93584D7}" type="slidenum">
+              <a:rPr lang="en-US" smtClean="0"/>
+              <a:pPr/>
+              <a:t>6</a:t>
+            </a:fld>
+            <a:endParaRPr lang="en-US"/>
+          </a:p>
+        </p:txBody>
+      </p:sp>
+    </p:spTree>
+    <p:extLst>
+      <p:ext uri="{BB962C8B-B14F-4D97-AF65-F5344CB8AC3E}">
+        <p14:creationId xmlns:p14="http://schemas.microsoft.com/office/powerpoint/2010/main" val="4186713760"/>
+      </p:ext>
+    </p:extLst>
+  </p:cSld>
+  <p:clrMapOvr>
+    <a:masterClrMapping/>
+  </p:clrMapOvr>
+</p:notes>
+</file>
+
 <file path=ppt/slideLayouts/slideLayout1.xml><?xml version="1.0" encoding="utf-8"?>
 <p:sldLayout xmlns:a="http://schemas.openxmlformats.org/drawingml/2006/main" xmlns:r="http://schemas.openxmlformats.org/officeDocument/2006/relationships" xmlns:p="http://schemas.openxmlformats.org/presentationml/2006/main" type="title" preserve="1">
   <p:cSld name="제목 슬라이드">
@@ -1013,7 +1185,7 @@
               <a:pPr>
                 <a:defRPr/>
               </a:pPr>
-              <a:t>2021-12-13</a:t>
+              <a:t>2021-12-14</a:t>
             </a:fld>
             <a:endParaRPr lang="ko-KR" altLang="en-US"/>
           </a:p>
@@ -1223,7 +1395,7 @@
               <a:pPr>
                 <a:defRPr/>
               </a:pPr>
-              <a:t>2021-12-13</a:t>
+              <a:t>2021-12-14</a:t>
             </a:fld>
             <a:endParaRPr lang="ko-KR" altLang="en-US"/>
           </a:p>
@@ -1430,7 +1602,7 @@
               <a:pPr>
                 <a:defRPr/>
               </a:pPr>
-              <a:t>2021-12-13</a:t>
+              <a:t>2021-12-14</a:t>
             </a:fld>
             <a:endParaRPr lang="ko-KR" altLang="en-US"/>
           </a:p>
@@ -1693,7 +1865,7 @@
               <a:pPr>
                 <a:defRPr/>
               </a:pPr>
-              <a:t>2021-12-13</a:t>
+              <a:t>2021-12-14</a:t>
             </a:fld>
             <a:endParaRPr lang="ko-KR" altLang="en-US"/>
           </a:p>
@@ -1847,7 +2019,7 @@
               <a:pPr>
                 <a:defRPr/>
               </a:pPr>
-              <a:t>2021-12-13</a:t>
+              <a:t>2021-12-14</a:t>
             </a:fld>
             <a:endParaRPr lang="ko-KR" altLang="en-US"/>
           </a:p>
@@ -2003,7 +2175,7 @@
             <a:fld id="{A599A2DF-A9D8-4500-A42B-95BCA7088224}" type="datetimeFigureOut">
               <a:rPr lang="ko-KR" altLang="en-US" smtClean="0"/>
               <a:pPr/>
-              <a:t>2021-12-13</a:t>
+              <a:t>2021-12-14</a:t>
             </a:fld>
             <a:endParaRPr lang="ko-KR" altLang="en-US"/>
           </a:p>
@@ -2518,7 +2690,7 @@
               <a:pPr>
                 <a:defRPr/>
               </a:pPr>
-              <a:t>2021-12-13</a:t>
+              <a:t>2021-12-14</a:t>
             </a:fld>
             <a:endParaRPr lang="ko-KR" altLang="en-US"/>
           </a:p>
@@ -2791,7 +2963,7 @@
               <a:pPr>
                 <a:defRPr/>
               </a:pPr>
-              <a:t>2021-12-13</a:t>
+              <a:t>2021-12-14</a:t>
             </a:fld>
             <a:endParaRPr lang="ko-KR" altLang="en-US"/>
           </a:p>
@@ -3106,7 +3278,7 @@
               <a:pPr>
                 <a:defRPr/>
               </a:pPr>
-              <a:t>2021-12-13</a:t>
+              <a:t>2021-12-14</a:t>
             </a:fld>
             <a:endParaRPr lang="ko-KR" altLang="en-US"/>
           </a:p>
@@ -3555,7 +3727,7 @@
               <a:pPr>
                 <a:defRPr/>
               </a:pPr>
-              <a:t>2021-12-13</a:t>
+              <a:t>2021-12-14</a:t>
             </a:fld>
             <a:endParaRPr lang="ko-KR" altLang="en-US"/>
           </a:p>
@@ -3741,7 +3913,7 @@
               <a:pPr>
                 <a:defRPr/>
               </a:pPr>
-              <a:t>2021-12-13</a:t>
+              <a:t>2021-12-14</a:t>
             </a:fld>
             <a:endParaRPr lang="ko-KR" altLang="en-US"/>
           </a:p>
@@ -3863,7 +4035,7 @@
               <a:pPr>
                 <a:defRPr/>
               </a:pPr>
-              <a:t>2021-12-13</a:t>
+              <a:t>2021-12-14</a:t>
             </a:fld>
             <a:endParaRPr lang="ko-KR" altLang="en-US"/>
           </a:p>
@@ -4167,7 +4339,7 @@
               <a:pPr>
                 <a:defRPr/>
               </a:pPr>
-              <a:t>2021-12-13</a:t>
+              <a:t>2021-12-14</a:t>
             </a:fld>
             <a:endParaRPr lang="ko-KR" altLang="en-US"/>
           </a:p>
@@ -4450,7 +4622,7 @@
               <a:pPr>
                 <a:defRPr/>
               </a:pPr>
-              <a:t>2021-12-13</a:t>
+              <a:t>2021-12-14</a:t>
             </a:fld>
             <a:endParaRPr lang="ko-KR" altLang="en-US"/>
           </a:p>
@@ -4711,7 +4883,7 @@
               <a:pPr>
                 <a:defRPr/>
               </a:pPr>
-              <a:t>2021-12-13</a:t>
+              <a:t>2021-12-14</a:t>
             </a:fld>
             <a:endParaRPr lang="ko-KR" altLang="en-US"/>
           </a:p>
@@ -6089,14 +6261,14 @@
       </p:sp>
       <p:sp>
         <p:nvSpPr>
-          <p:cNvPr id="4" name="TextBox 3"/>
+          <p:cNvPr id="5" name="TextBox 4"/>
           <p:cNvSpPr txBox="1"/>
           <p:nvPr/>
         </p:nvSpPr>
         <p:spPr>
           <a:xfrm>
-            <a:off x="4975765" y="6165304"/>
-            <a:ext cx="3844707" cy="369332"/>
+            <a:off x="395536" y="1772816"/>
+            <a:ext cx="6502582" cy="2031325"/>
           </a:xfrm>
           <a:prstGeom prst="rect">
             <a:avLst/>
@@ -6104,37 +6276,258 @@
           <a:noFill/>
         </p:spPr>
         <p:txBody>
-          <a:bodyPr wrap="none" rtlCol="0">
+          <a:bodyPr wrap="square" rtlCol="0">
             <a:spAutoFit/>
           </a:bodyPr>
           <a:lstStyle/>
           <a:p>
             <a:r>
+              <a:rPr lang="en-US" altLang="ko-KR" dirty="0" smtClean="0"/>
+              <a:t>4-1. </a:t>
+            </a:r>
+            <a:r>
+              <a:rPr lang="ko-KR" altLang="en-US" dirty="0" smtClean="0"/>
+              <a:t>환경 변수에 토큰 정보를 추가한다</a:t>
+            </a:r>
+            <a:r>
+              <a:rPr lang="en-US" altLang="ko-KR" dirty="0" smtClean="0"/>
+              <a:t>.</a:t>
+            </a:r>
+            <a:br>
+              <a:rPr lang="en-US" altLang="ko-KR" dirty="0" smtClean="0"/>
+            </a:br>
+            <a:r>
+              <a:rPr lang="en-US" altLang="ko-KR" dirty="0" smtClean="0"/>
+              <a:t>$ export </a:t>
+            </a:r>
+            <a:r>
+              <a:rPr lang="en-US" altLang="ko-KR" dirty="0"/>
+              <a:t>GH_TOKEN=[</a:t>
+            </a:r>
+            <a:r>
+              <a:rPr lang="ko-KR" altLang="en-US" dirty="0"/>
+              <a:t>내 토큰 정보</a:t>
+            </a:r>
+            <a:r>
+              <a:rPr lang="en-US" altLang="ko-KR" dirty="0" smtClean="0"/>
+              <a:t>]</a:t>
+            </a:r>
+          </a:p>
+          <a:p>
+            <a:endParaRPr lang="en-US" altLang="ko-KR" dirty="0"/>
+          </a:p>
+          <a:p>
+            <a:r>
+              <a:rPr lang="en-US" altLang="ko-KR" dirty="0" smtClean="0"/>
+              <a:t>4-2. vue.config.js </a:t>
+            </a:r>
+            <a:r>
+              <a:rPr lang="ko-KR" altLang="en-US" dirty="0" smtClean="0"/>
+              <a:t>에 </a:t>
+            </a:r>
+            <a:r>
+              <a:rPr lang="en-US" altLang="ko-KR" dirty="0" smtClean="0"/>
+              <a:t>Electron </a:t>
+            </a:r>
+            <a:r>
+              <a:rPr lang="ko-KR" altLang="en-US" dirty="0" err="1" smtClean="0"/>
+              <a:t>빌드</a:t>
+            </a:r>
+            <a:r>
+              <a:rPr lang="ko-KR" altLang="en-US" dirty="0" smtClean="0"/>
+              <a:t> 옵션을 추가한다</a:t>
+            </a:r>
+            <a:r>
+              <a:rPr lang="en-US" altLang="ko-KR" dirty="0" smtClean="0"/>
+              <a:t>.</a:t>
+            </a:r>
+          </a:p>
+          <a:p>
+            <a:endParaRPr lang="en-US" altLang="ko-KR" dirty="0"/>
+          </a:p>
+          <a:p>
+            <a:r>
+              <a:rPr lang="en-US" altLang="ko-KR" dirty="0" smtClean="0"/>
+              <a:t>4-3. Build Electron App</a:t>
+            </a:r>
+          </a:p>
+          <a:p>
+            <a:r>
+              <a:rPr lang="en-US" altLang="ko-KR" dirty="0" smtClean="0"/>
+              <a:t>$ </a:t>
+            </a:r>
+            <a:r>
               <a:rPr lang="en-US" altLang="ko-KR" dirty="0" err="1" smtClean="0"/>
-              <a:t>Vue</a:t>
+              <a:t>npm</a:t>
             </a:r>
             <a:r>
               <a:rPr lang="en-US" altLang="ko-KR" dirty="0" smtClean="0"/>
-              <a:t> CLI </a:t>
-            </a:r>
-            <a:r>
-              <a:rPr lang="ko-KR" altLang="en-US" dirty="0" smtClean="0"/>
-              <a:t>를 이용해서 만든 프로젝트</a:t>
+              <a:t> run </a:t>
+            </a:r>
+            <a:r>
+              <a:rPr lang="en-US" altLang="ko-KR" dirty="0" err="1" smtClean="0"/>
+              <a:t>electron:build</a:t>
+            </a:r>
+            <a:r>
+              <a:rPr lang="en-US" altLang="ko-KR" dirty="0" smtClean="0"/>
+              <a:t> –p always</a:t>
             </a:r>
             <a:endParaRPr lang="ko-KR" altLang="en-US" dirty="0"/>
           </a:p>
         </p:txBody>
       </p:sp>
-      <p:sp>
-        <p:nvSpPr>
-          <p:cNvPr id="5" name="TextBox 4"/>
+      <p:pic>
+        <p:nvPicPr>
+          <p:cNvPr id="1026" name="Picture 2"/>
+          <p:cNvPicPr>
+            <a:picLocks noChangeAspect="1" noChangeArrowheads="1"/>
+          </p:cNvPicPr>
+          <p:nvPr/>
+        </p:nvPicPr>
+        <p:blipFill>
+          <a:blip r:embed="rId3">
+            <a:extLst>
+              <a:ext uri="{28A0092B-C50C-407E-A947-70E740481C1C}">
+                <a14:useLocalDpi xmlns:a14="http://schemas.microsoft.com/office/drawing/2010/main" val="0"/>
+              </a:ext>
+            </a:extLst>
+          </a:blip>
+          <a:srcRect/>
+          <a:stretch>
+            <a:fillRect/>
+          </a:stretch>
+        </p:blipFill>
+        <p:spPr bwMode="auto">
+          <a:xfrm>
+            <a:off x="6372200" y="1797930"/>
+            <a:ext cx="2266950" cy="1952625"/>
+          </a:xfrm>
+          <a:prstGeom prst="rect">
+            <a:avLst/>
+          </a:prstGeom>
+          <a:noFill/>
+          <a:ln>
+            <a:noFill/>
+          </a:ln>
+          <a:effectLst/>
+          <a:extLst>
+            <a:ext uri="{909E8E84-426E-40DD-AFC4-6F175D3DCCD1}">
+              <a14:hiddenFill xmlns:a14="http://schemas.microsoft.com/office/drawing/2010/main">
+                <a:solidFill>
+                  <a:schemeClr val="accent1"/>
+                </a:solidFill>
+              </a14:hiddenFill>
+            </a:ext>
+            <a:ext uri="{91240B29-F687-4F45-9708-019B960494DF}">
+              <a14:hiddenLine xmlns:a14="http://schemas.microsoft.com/office/drawing/2010/main" w="9525">
+                <a:solidFill>
+                  <a:schemeClr val="tx1"/>
+                </a:solidFill>
+                <a:miter lim="800000"/>
+                <a:headEnd/>
+                <a:tailEnd/>
+              </a14:hiddenLine>
+            </a:ext>
+            <a:ext uri="{AF507438-7753-43E0-B8FC-AC1667EBCBE1}">
+              <a14:hiddenEffects xmlns:a14="http://schemas.microsoft.com/office/drawing/2010/main">
+                <a:effectLst>
+                  <a:outerShdw dist="35921" dir="2700000" algn="ctr" rotWithShape="0">
+                    <a:schemeClr val="bg2"/>
+                  </a:outerShdw>
+                </a:effectLst>
+              </a14:hiddenEffects>
+            </a:ext>
+          </a:extLst>
+        </p:spPr>
+      </p:pic>
+      <p:pic>
+        <p:nvPicPr>
+          <p:cNvPr id="1028" name="Picture 4" descr="https://github.com/es5es5/devlogs/raw/main/Electron/images/build.png"/>
+          <p:cNvPicPr>
+            <a:picLocks noChangeAspect="1" noChangeArrowheads="1"/>
+          </p:cNvPicPr>
+          <p:nvPr/>
+        </p:nvPicPr>
+        <p:blipFill>
+          <a:blip r:embed="rId4">
+            <a:extLst>
+              <a:ext uri="{28A0092B-C50C-407E-A947-70E740481C1C}">
+                <a14:useLocalDpi xmlns:a14="http://schemas.microsoft.com/office/drawing/2010/main" val="0"/>
+              </a:ext>
+            </a:extLst>
+          </a:blip>
+          <a:srcRect/>
+          <a:stretch>
+            <a:fillRect/>
+          </a:stretch>
+        </p:blipFill>
+        <p:spPr bwMode="auto">
+          <a:xfrm>
+            <a:off x="582059" y="4109334"/>
+            <a:ext cx="4143375" cy="2085976"/>
+          </a:xfrm>
+          <a:prstGeom prst="rect">
+            <a:avLst/>
+          </a:prstGeom>
+          <a:noFill/>
+          <a:extLst>
+            <a:ext uri="{909E8E84-426E-40DD-AFC4-6F175D3DCCD1}">
+              <a14:hiddenFill xmlns:a14="http://schemas.microsoft.com/office/drawing/2010/main">
+                <a:solidFill>
+                  <a:srgbClr val="FFFFFF"/>
+                </a:solidFill>
+              </a14:hiddenFill>
+            </a:ext>
+          </a:extLst>
+        </p:spPr>
+      </p:pic>
+    </p:spTree>
+    <p:extLst>
+      <p:ext uri="{BB962C8B-B14F-4D97-AF65-F5344CB8AC3E}">
+        <p14:creationId xmlns:p14="http://schemas.microsoft.com/office/powerpoint/2010/main" val="4078747172"/>
+      </p:ext>
+    </p:extLst>
+  </p:cSld>
+  <p:clrMapOvr>
+    <a:masterClrMapping/>
+  </p:clrMapOvr>
+  <p:timing>
+    <p:tnLst>
+      <p:par>
+        <p:cTn id="1" dur="indefinite" restart="never" nodeType="tmRoot"/>
+      </p:par>
+    </p:tnLst>
+  </p:timing>
+</p:sld>
+</file>
+
+<file path=ppt/slides/slide5.xml><?xml version="1.0" encoding="utf-8"?>
+<p:sld xmlns:a="http://schemas.openxmlformats.org/drawingml/2006/main" xmlns:r="http://schemas.openxmlformats.org/officeDocument/2006/relationships" xmlns:p="http://schemas.openxmlformats.org/presentationml/2006/main">
+  <p:cSld>
+    <p:spTree>
+      <p:nvGrpSpPr>
+        <p:cNvPr id="1" name=""/>
+        <p:cNvGrpSpPr/>
+        <p:nvPr/>
+      </p:nvGrpSpPr>
+      <p:grpSpPr>
+        <a:xfrm>
+          <a:off x="0" y="0"/>
+          <a:ext cx="0" cy="0"/>
+          <a:chOff x="0" y="0"/>
+          <a:chExt cx="0" cy="0"/>
+        </a:xfrm>
+      </p:grpSpPr>
+      <p:sp>
+        <p:nvSpPr>
+          <p:cNvPr id="2" name="TextBox 1"/>
           <p:cNvSpPr txBox="1"/>
           <p:nvPr/>
         </p:nvSpPr>
         <p:spPr>
           <a:xfrm>
-            <a:off x="395536" y="1772816"/>
-            <a:ext cx="6502582" cy="646331"/>
+            <a:off x="221991" y="366316"/>
+            <a:ext cx="2431756" cy="461665"/>
           </a:xfrm>
           <a:prstGeom prst="rect">
             <a:avLst/>
@@ -6142,6 +6535,36 @@
           <a:noFill/>
         </p:spPr>
         <p:txBody>
+          <a:bodyPr wrap="none" rtlCol="0">
+            <a:spAutoFit/>
+          </a:bodyPr>
+          <a:lstStyle/>
+          <a:p>
+            <a:r>
+              <a:rPr lang="en-US" altLang="ko-KR" sz="2400" dirty="0" smtClean="0"/>
+              <a:t>4. Auto Updater</a:t>
+            </a:r>
+            <a:endParaRPr lang="ko-KR" altLang="en-US" sz="2400" dirty="0"/>
+          </a:p>
+        </p:txBody>
+      </p:sp>
+      <p:sp>
+        <p:nvSpPr>
+          <p:cNvPr id="5" name="TextBox 4"/>
+          <p:cNvSpPr txBox="1"/>
+          <p:nvPr/>
+        </p:nvSpPr>
+        <p:spPr>
+          <a:xfrm>
+            <a:off x="384540" y="980728"/>
+            <a:ext cx="6502582" cy="2585323"/>
+          </a:xfrm>
+          <a:prstGeom prst="rect">
+            <a:avLst/>
+          </a:prstGeom>
+          <a:noFill/>
+        </p:spPr>
+        <p:txBody>
           <a:bodyPr wrap="square" rtlCol="0">
             <a:spAutoFit/>
           </a:bodyPr>
@@ -6149,23 +6572,268 @@
           <a:p>
             <a:r>
               <a:rPr lang="en-US" altLang="ko-KR" dirty="0" smtClean="0"/>
-              <a:t>4-1. </a:t>
-            </a:r>
-            <a:br>
+              <a:t>4-4. </a:t>
+            </a:r>
+            <a:r>
+              <a:rPr lang="en-US" altLang="ko-KR" dirty="0" err="1" smtClean="0"/>
+              <a:t>GitHub</a:t>
+            </a:r>
+            <a:r>
+              <a:rPr lang="ko-KR" altLang="en-US" dirty="0"/>
+              <a:t> </a:t>
+            </a:r>
+            <a:r>
               <a:rPr lang="en-US" altLang="ko-KR" dirty="0" smtClean="0"/>
-            </a:br>
+              <a:t>Release</a:t>
+            </a:r>
+            <a:r>
+              <a:rPr lang="ko-KR" altLang="en-US" dirty="0" smtClean="0"/>
+              <a:t>에 올린다</a:t>
+            </a:r>
             <a:r>
               <a:rPr lang="en-US" altLang="ko-KR" dirty="0" smtClean="0"/>
-              <a:t>$ export </a:t>
-            </a:r>
-            <a:endParaRPr lang="ko-KR" altLang="en-US" dirty="0"/>
-          </a:p>
-        </p:txBody>
-      </p:sp>
+              <a:t>.</a:t>
+            </a:r>
+          </a:p>
+          <a:p>
+            <a:endParaRPr lang="en-US" altLang="ko-KR" dirty="0" smtClean="0"/>
+          </a:p>
+          <a:p>
+            <a:r>
+              <a:rPr lang="en-US" altLang="ko-KR" dirty="0" smtClean="0"/>
+              <a:t> - Windows</a:t>
+            </a:r>
+            <a:endParaRPr lang="en-US" altLang="ko-KR" dirty="0"/>
+          </a:p>
+          <a:p>
+            <a:pPr lvl="1"/>
+            <a:r>
+              <a:rPr lang="en-US" altLang="ko-KR" dirty="0" err="1"/>
+              <a:t>lastest.yml</a:t>
+            </a:r>
+            <a:endParaRPr lang="en-US" altLang="ko-KR" dirty="0"/>
+          </a:p>
+          <a:p>
+            <a:pPr lvl="1"/>
+            <a:r>
+              <a:rPr lang="en-US" altLang="ko-KR" dirty="0"/>
+              <a:t>XXXX-Setup-[version].exe</a:t>
+            </a:r>
+          </a:p>
+          <a:p>
+            <a:endParaRPr lang="en-US" altLang="ko-KR" dirty="0" smtClean="0"/>
+          </a:p>
+          <a:p>
+            <a:r>
+              <a:rPr lang="en-US" altLang="ko-KR" dirty="0" smtClean="0"/>
+              <a:t> - </a:t>
+            </a:r>
+            <a:r>
+              <a:rPr lang="en-US" altLang="ko-KR" dirty="0" err="1" smtClean="0"/>
+              <a:t>MacOS</a:t>
+            </a:r>
+            <a:endParaRPr lang="en-US" altLang="ko-KR" dirty="0"/>
+          </a:p>
+          <a:p>
+            <a:pPr lvl="1"/>
+            <a:r>
+              <a:rPr lang="en-US" altLang="ko-KR" dirty="0" err="1"/>
+              <a:t>lastest.yml</a:t>
+            </a:r>
+            <a:endParaRPr lang="en-US" altLang="ko-KR" dirty="0"/>
+          </a:p>
+          <a:p>
+            <a:pPr lvl="1"/>
+            <a:r>
+              <a:rPr lang="en-US" altLang="ko-KR" dirty="0"/>
+              <a:t>XXXX-[version].</a:t>
+            </a:r>
+            <a:r>
+              <a:rPr lang="en-US" altLang="ko-KR" dirty="0" err="1" smtClean="0"/>
+              <a:t>dmg</a:t>
+            </a:r>
+            <a:endParaRPr lang="en-US" altLang="ko-KR" dirty="0"/>
+          </a:p>
+        </p:txBody>
+      </p:sp>
+      <p:pic>
+        <p:nvPicPr>
+          <p:cNvPr id="2050" name="Picture 2" descr="https://github.com/es5es5/devlogs/raw/main/Electron/images/release.png"/>
+          <p:cNvPicPr>
+            <a:picLocks noChangeAspect="1" noChangeArrowheads="1"/>
+          </p:cNvPicPr>
+          <p:nvPr/>
+        </p:nvPicPr>
+        <p:blipFill>
+          <a:blip r:embed="rId3">
+            <a:extLst>
+              <a:ext uri="{28A0092B-C50C-407E-A947-70E740481C1C}">
+                <a14:useLocalDpi xmlns:a14="http://schemas.microsoft.com/office/drawing/2010/main" val="0"/>
+              </a:ext>
+            </a:extLst>
+          </a:blip>
+          <a:srcRect/>
+          <a:stretch>
+            <a:fillRect/>
+          </a:stretch>
+        </p:blipFill>
+        <p:spPr bwMode="auto">
+          <a:xfrm>
+            <a:off x="4139952" y="832858"/>
+            <a:ext cx="4544687" cy="3725153"/>
+          </a:xfrm>
+          <a:prstGeom prst="rect">
+            <a:avLst/>
+          </a:prstGeom>
+          <a:noFill/>
+          <a:extLst>
+            <a:ext uri="{909E8E84-426E-40DD-AFC4-6F175D3DCCD1}">
+              <a14:hiddenFill xmlns:a14="http://schemas.microsoft.com/office/drawing/2010/main">
+                <a:solidFill>
+                  <a:srgbClr val="FFFFFF"/>
+                </a:solidFill>
+              </a14:hiddenFill>
+            </a:ext>
+          </a:extLst>
+        </p:spPr>
+      </p:pic>
     </p:spTree>
     <p:extLst>
       <p:ext uri="{BB962C8B-B14F-4D97-AF65-F5344CB8AC3E}">
-        <p14:creationId xmlns:p14="http://schemas.microsoft.com/office/powerpoint/2010/main" val="4078747172"/>
+        <p14:creationId xmlns:p14="http://schemas.microsoft.com/office/powerpoint/2010/main" val="2585833201"/>
+      </p:ext>
+    </p:extLst>
+  </p:cSld>
+  <p:clrMapOvr>
+    <a:masterClrMapping/>
+  </p:clrMapOvr>
+  <p:timing>
+    <p:tnLst>
+      <p:par>
+        <p:cTn id="1" dur="indefinite" restart="never" nodeType="tmRoot"/>
+      </p:par>
+    </p:tnLst>
+  </p:timing>
+</p:sld>
+</file>
+
+<file path=ppt/slides/slide6.xml><?xml version="1.0" encoding="utf-8"?>
+<p:sld xmlns:a="http://schemas.openxmlformats.org/drawingml/2006/main" xmlns:r="http://schemas.openxmlformats.org/officeDocument/2006/relationships" xmlns:p="http://schemas.openxmlformats.org/presentationml/2006/main">
+  <p:cSld>
+    <p:spTree>
+      <p:nvGrpSpPr>
+        <p:cNvPr id="1" name=""/>
+        <p:cNvGrpSpPr/>
+        <p:nvPr/>
+      </p:nvGrpSpPr>
+      <p:grpSpPr>
+        <a:xfrm>
+          <a:off x="0" y="0"/>
+          <a:ext cx="0" cy="0"/>
+          <a:chOff x="0" y="0"/>
+          <a:chExt cx="0" cy="0"/>
+        </a:xfrm>
+      </p:grpSpPr>
+      <p:sp>
+        <p:nvSpPr>
+          <p:cNvPr id="7" name="TextBox 6"/>
+          <p:cNvSpPr txBox="1"/>
+          <p:nvPr/>
+        </p:nvSpPr>
+        <p:spPr>
+          <a:xfrm>
+            <a:off x="221991" y="366316"/>
+            <a:ext cx="1762021" cy="461665"/>
+          </a:xfrm>
+          <a:prstGeom prst="rect">
+            <a:avLst/>
+          </a:prstGeom>
+          <a:noFill/>
+        </p:spPr>
+        <p:txBody>
+          <a:bodyPr wrap="none" rtlCol="0">
+            <a:spAutoFit/>
+          </a:bodyPr>
+          <a:lstStyle/>
+          <a:p>
+            <a:r>
+              <a:rPr lang="en-US" altLang="ko-KR" sz="2400" dirty="0" smtClean="0"/>
+              <a:t>5. </a:t>
+            </a:r>
+            <a:r>
+              <a:rPr lang="ko-KR" altLang="en-US" sz="2400" dirty="0" smtClean="0"/>
+              <a:t>참고자료</a:t>
+            </a:r>
+            <a:endParaRPr lang="ko-KR" altLang="en-US" sz="2400" dirty="0"/>
+          </a:p>
+        </p:txBody>
+      </p:sp>
+      <p:sp>
+        <p:nvSpPr>
+          <p:cNvPr id="4" name="TextBox 3"/>
+          <p:cNvSpPr txBox="1"/>
+          <p:nvPr/>
+        </p:nvSpPr>
+        <p:spPr>
+          <a:xfrm>
+            <a:off x="755576" y="1412776"/>
+            <a:ext cx="6586996" cy="923330"/>
+          </a:xfrm>
+          <a:prstGeom prst="rect">
+            <a:avLst/>
+          </a:prstGeom>
+          <a:noFill/>
+        </p:spPr>
+        <p:txBody>
+          <a:bodyPr wrap="none" rtlCol="0">
+            <a:spAutoFit/>
+          </a:bodyPr>
+          <a:lstStyle/>
+          <a:p>
+            <a:pPr marL="285750" indent="-285750">
+              <a:buFontTx/>
+              <a:buChar char="-"/>
+            </a:pPr>
+            <a:r>
+              <a:rPr lang="en-US" altLang="ko-KR" dirty="0">
+                <a:hlinkClick r:id="rId3"/>
+              </a:rPr>
+              <a:t>https://nklayman.github.io/vue-cli-plugin-electron-builder</a:t>
+            </a:r>
+            <a:r>
+              <a:rPr lang="en-US" altLang="ko-KR" dirty="0" smtClean="0">
+                <a:hlinkClick r:id="rId3"/>
+              </a:rPr>
+              <a:t>/</a:t>
+            </a:r>
+            <a:endParaRPr lang="en-US" altLang="ko-KR" dirty="0" smtClean="0"/>
+          </a:p>
+          <a:p>
+            <a:pPr marL="285750" indent="-285750">
+              <a:buFontTx/>
+              <a:buChar char="-"/>
+            </a:pPr>
+            <a:endParaRPr lang="en-US" altLang="ko-KR" dirty="0"/>
+          </a:p>
+          <a:p>
+            <a:pPr marL="285750" indent="-285750">
+              <a:buFontTx/>
+              <a:buChar char="-"/>
+            </a:pPr>
+            <a:r>
+              <a:rPr lang="en-US" altLang="ko-KR" dirty="0" smtClean="0">
+                <a:hlinkClick r:id="rId4"/>
+              </a:rPr>
+              <a:t>https://junglow9.tistory.com/7</a:t>
+            </a:r>
+            <a:endParaRPr lang="en-US" altLang="ko-KR" dirty="0" smtClean="0"/>
+          </a:p>
+        </p:txBody>
+      </p:sp>
+    </p:spTree>
+    <p:extLst>
+      <p:ext uri="{BB962C8B-B14F-4D97-AF65-F5344CB8AC3E}">
+        <p14:creationId xmlns:p14="http://schemas.microsoft.com/office/powerpoint/2010/main" val="129356317"/>
       </p:ext>
     </p:extLst>
   </p:cSld>
